--- a/lua.pptx
+++ b/lua.pptx
@@ -31,6 +31,9 @@
     <p:sldId id="279" r:id="rId25"/>
     <p:sldId id="280" r:id="rId26"/>
     <p:sldId id="281" r:id="rId27"/>
+    <p:sldId id="282" r:id="rId28"/>
+    <p:sldId id="285" r:id="rId29"/>
+    <p:sldId id="284" r:id="rId30"/>
   </p:sldIdLst>
   <p:sldSz cx="9144000" cy="6858000" type="screen4x3"/>
   <p:notesSz cx="6858000" cy="9144000"/>
@@ -314,7 +317,7 @@
             <a:fld id="{530820CF-B880-4189-942D-D702A7CBA730}" type="datetimeFigureOut">
               <a:rPr lang="zh-CN" altLang="en-US" smtClean="0"/>
               <a:pPr/>
-              <a:t>2014/7/10</a:t>
+              <a:t>2014/7/14</a:t>
             </a:fld>
             <a:endParaRPr lang="zh-CN" altLang="en-US"/>
           </a:p>
@@ -481,7 +484,7 @@
             <a:fld id="{530820CF-B880-4189-942D-D702A7CBA730}" type="datetimeFigureOut">
               <a:rPr lang="zh-CN" altLang="en-US" smtClean="0"/>
               <a:pPr/>
-              <a:t>2014/7/10</a:t>
+              <a:t>2014/7/14</a:t>
             </a:fld>
             <a:endParaRPr lang="zh-CN" altLang="en-US"/>
           </a:p>
@@ -658,7 +661,7 @@
             <a:fld id="{530820CF-B880-4189-942D-D702A7CBA730}" type="datetimeFigureOut">
               <a:rPr lang="zh-CN" altLang="en-US" smtClean="0"/>
               <a:pPr/>
-              <a:t>2014/7/10</a:t>
+              <a:t>2014/7/14</a:t>
             </a:fld>
             <a:endParaRPr lang="zh-CN" altLang="en-US"/>
           </a:p>
@@ -825,7 +828,7 @@
             <a:fld id="{530820CF-B880-4189-942D-D702A7CBA730}" type="datetimeFigureOut">
               <a:rPr lang="zh-CN" altLang="en-US" smtClean="0"/>
               <a:pPr/>
-              <a:t>2014/7/10</a:t>
+              <a:t>2014/7/14</a:t>
             </a:fld>
             <a:endParaRPr lang="zh-CN" altLang="en-US"/>
           </a:p>
@@ -1068,7 +1071,7 @@
             <a:fld id="{530820CF-B880-4189-942D-D702A7CBA730}" type="datetimeFigureOut">
               <a:rPr lang="zh-CN" altLang="en-US" smtClean="0"/>
               <a:pPr/>
-              <a:t>2014/7/10</a:t>
+              <a:t>2014/7/14</a:t>
             </a:fld>
             <a:endParaRPr lang="zh-CN" altLang="en-US"/>
           </a:p>
@@ -1353,7 +1356,7 @@
             <a:fld id="{530820CF-B880-4189-942D-D702A7CBA730}" type="datetimeFigureOut">
               <a:rPr lang="zh-CN" altLang="en-US" smtClean="0"/>
               <a:pPr/>
-              <a:t>2014/7/10</a:t>
+              <a:t>2014/7/14</a:t>
             </a:fld>
             <a:endParaRPr lang="zh-CN" altLang="en-US"/>
           </a:p>
@@ -1772,7 +1775,7 @@
             <a:fld id="{530820CF-B880-4189-942D-D702A7CBA730}" type="datetimeFigureOut">
               <a:rPr lang="zh-CN" altLang="en-US" smtClean="0"/>
               <a:pPr/>
-              <a:t>2014/7/10</a:t>
+              <a:t>2014/7/14</a:t>
             </a:fld>
             <a:endParaRPr lang="zh-CN" altLang="en-US"/>
           </a:p>
@@ -1887,7 +1890,7 @@
             <a:fld id="{530820CF-B880-4189-942D-D702A7CBA730}" type="datetimeFigureOut">
               <a:rPr lang="zh-CN" altLang="en-US" smtClean="0"/>
               <a:pPr/>
-              <a:t>2014/7/10</a:t>
+              <a:t>2014/7/14</a:t>
             </a:fld>
             <a:endParaRPr lang="zh-CN" altLang="en-US"/>
           </a:p>
@@ -1979,7 +1982,7 @@
             <a:fld id="{530820CF-B880-4189-942D-D702A7CBA730}" type="datetimeFigureOut">
               <a:rPr lang="zh-CN" altLang="en-US" smtClean="0"/>
               <a:pPr/>
-              <a:t>2014/7/10</a:t>
+              <a:t>2014/7/14</a:t>
             </a:fld>
             <a:endParaRPr lang="zh-CN" altLang="en-US"/>
           </a:p>
@@ -2253,7 +2256,7 @@
             <a:fld id="{530820CF-B880-4189-942D-D702A7CBA730}" type="datetimeFigureOut">
               <a:rPr lang="zh-CN" altLang="en-US" smtClean="0"/>
               <a:pPr/>
-              <a:t>2014/7/10</a:t>
+              <a:t>2014/7/14</a:t>
             </a:fld>
             <a:endParaRPr lang="zh-CN" altLang="en-US"/>
           </a:p>
@@ -2503,7 +2506,7 @@
             <a:fld id="{530820CF-B880-4189-942D-D702A7CBA730}" type="datetimeFigureOut">
               <a:rPr lang="zh-CN" altLang="en-US" smtClean="0"/>
               <a:pPr/>
-              <a:t>2014/7/10</a:t>
+              <a:t>2014/7/14</a:t>
             </a:fld>
             <a:endParaRPr lang="zh-CN" altLang="en-US"/>
           </a:p>
@@ -2713,7 +2716,7 @@
             <a:fld id="{530820CF-B880-4189-942D-D702A7CBA730}" type="datetimeFigureOut">
               <a:rPr lang="zh-CN" altLang="en-US" smtClean="0"/>
               <a:pPr/>
-              <a:t>2014/7/10</a:t>
+              <a:t>2014/7/14</a:t>
             </a:fld>
             <a:endParaRPr lang="zh-CN" altLang="en-US"/>
           </a:p>
@@ -3378,11 +3381,7 @@
             </a:r>
             <a:r>
               <a:rPr lang="en-US" dirty="0" smtClean="0"/>
-              <a:t> * </a:t>
-            </a:r>
-            <a:r>
-              <a:rPr lang="en-US" dirty="0" smtClean="0"/>
-              <a:t>L) </a:t>
+              <a:t> * L) </a:t>
             </a:r>
           </a:p>
           <a:p>
@@ -3400,11 +3399,7 @@
             </a:pPr>
             <a:r>
               <a:rPr lang="en-US" dirty="0" smtClean="0"/>
-              <a:t>          double </a:t>
-            </a:r>
-            <a:r>
-              <a:rPr lang="en-US" dirty="0" smtClean="0"/>
-              <a:t>op1 = </a:t>
+              <a:t>          double op1 = </a:t>
             </a:r>
             <a:r>
               <a:rPr lang="en-US" dirty="0" err="1" smtClean="0"/>
@@ -3412,29 +3407,16 @@
             </a:r>
             <a:r>
               <a:rPr lang="en-US" dirty="0" smtClean="0"/>
-              <a:t>(L,1</a:t>
-            </a:r>
+              <a:t>(L,1); </a:t>
+            </a:r>
+          </a:p>
+          <a:p>
+            <a:pPr>
+              <a:buNone/>
+            </a:pPr>
             <a:r>
               <a:rPr lang="en-US" dirty="0" smtClean="0"/>
-              <a:t>); </a:t>
-            </a:r>
-            <a:endParaRPr lang="en-US" dirty="0" smtClean="0"/>
-          </a:p>
-          <a:p>
-            <a:pPr>
-              <a:buNone/>
-            </a:pPr>
-            <a:r>
-              <a:rPr lang="en-US" dirty="0" smtClean="0"/>
-              <a:t>	</a:t>
-            </a:r>
-            <a:r>
-              <a:rPr lang="en-US" dirty="0" smtClean="0"/>
-              <a:t>	double </a:t>
-            </a:r>
-            <a:r>
-              <a:rPr lang="en-US" dirty="0" smtClean="0"/>
-              <a:t>op2 = </a:t>
+              <a:t>		double op2 = </a:t>
             </a:r>
             <a:r>
               <a:rPr lang="en-US" dirty="0" err="1" smtClean="0"/>
@@ -3442,19 +3424,7 @@
             </a:r>
             <a:r>
               <a:rPr lang="en-US" dirty="0" smtClean="0"/>
-              <a:t> </a:t>
-            </a:r>
-            <a:r>
-              <a:rPr lang="en-US" dirty="0" smtClean="0"/>
-              <a:t>(</a:t>
-            </a:r>
-            <a:r>
-              <a:rPr lang="en-US" dirty="0" smtClean="0"/>
-              <a:t>L,2); </a:t>
-            </a:r>
-            <a:r>
-              <a:rPr lang="en-US" dirty="0" smtClean="0"/>
-              <a:t>                	</a:t>
+              <a:t> (L,2);                 	</a:t>
             </a:r>
             <a:r>
               <a:rPr lang="en-US" dirty="0" err="1" smtClean="0"/>
@@ -3462,13 +3432,17 @@
             </a:r>
             <a:r>
               <a:rPr lang="en-US" dirty="0" smtClean="0"/>
-              <a:t>(L,op1 </a:t>
-            </a:r>
+              <a:t>(L,op1 - op2); </a:t>
+            </a:r>
+          </a:p>
+          <a:p>
+            <a:pPr>
+              <a:buNone/>
+            </a:pPr>
             <a:r>
               <a:rPr lang="en-US" dirty="0" smtClean="0"/>
-              <a:t>- op2); </a:t>
-            </a:r>
-            <a:endParaRPr lang="en-US" dirty="0" smtClean="0"/>
+              <a:t>          return 1; </a:t>
+            </a:r>
           </a:p>
           <a:p>
             <a:pPr>
@@ -3476,25 +3450,7 @@
             </a:pPr>
             <a:r>
               <a:rPr lang="en-US" dirty="0" smtClean="0"/>
-              <a:t>          return </a:t>
-            </a:r>
-            <a:r>
-              <a:rPr lang="en-US" dirty="0" smtClean="0"/>
-              <a:t>1; </a:t>
-            </a:r>
-            <a:endParaRPr lang="en-US" dirty="0" smtClean="0"/>
-          </a:p>
-          <a:p>
-            <a:pPr>
-              <a:buNone/>
-            </a:pPr>
-            <a:r>
-              <a:rPr lang="en-US" dirty="0" smtClean="0"/>
-              <a:t> </a:t>
-            </a:r>
-            <a:r>
-              <a:rPr lang="en-US" dirty="0" smtClean="0"/>
-              <a:t>    }</a:t>
+              <a:t>     }</a:t>
             </a:r>
             <a:endParaRPr lang="zh-CN" altLang="en-US" dirty="0"/>
           </a:p>
@@ -3581,7 +3537,6 @@
               <a:rPr lang="en-US" dirty="0" smtClean="0"/>
               <a:t> main() </a:t>
             </a:r>
-            <a:endParaRPr lang="en-US" dirty="0" smtClean="0"/>
           </a:p>
           <a:p>
             <a:pPr>
@@ -3598,11 +3553,7 @@
             </a:pPr>
             <a:r>
               <a:rPr lang="en-US" dirty="0" smtClean="0"/>
-              <a:t>	</a:t>
-            </a:r>
-            <a:r>
-              <a:rPr lang="en-US" dirty="0" smtClean="0"/>
-              <a:t>	</a:t>
+              <a:t>		</a:t>
             </a:r>
             <a:r>
               <a:rPr lang="en-US" dirty="0" err="1" smtClean="0"/>
@@ -3618,11 +3569,7 @@
             </a:r>
             <a:r>
               <a:rPr lang="en-US" dirty="0" smtClean="0"/>
-              <a:t>(); </a:t>
-            </a:r>
-            <a:r>
-              <a:rPr lang="en-US" dirty="0" smtClean="0"/>
-              <a:t>	</a:t>
+              <a:t>(); 	</a:t>
             </a:r>
             <a:r>
               <a:rPr lang="en-US" dirty="0" err="1" smtClean="0"/>
@@ -3630,15 +3577,7 @@
             </a:r>
             <a:r>
               <a:rPr lang="en-US" dirty="0" smtClean="0"/>
-              <a:t>(L</a:t>
-            </a:r>
-            <a:r>
-              <a:rPr lang="en-US" dirty="0" smtClean="0"/>
-              <a:t>, </a:t>
-            </a:r>
-            <a:r>
-              <a:rPr lang="en-US" dirty="0" smtClean="0"/>
-              <a:t>“</a:t>
+              <a:t>(L, “</a:t>
             </a:r>
             <a:r>
               <a:rPr lang="en-US" altLang="zh-CN" dirty="0" smtClean="0"/>
@@ -3663,15 +3602,7 @@
             </a:pPr>
             <a:r>
               <a:rPr lang="en-US" dirty="0" smtClean="0"/>
-              <a:t>	</a:t>
-            </a:r>
-            <a:r>
-              <a:rPr lang="en-US" dirty="0" smtClean="0"/>
-              <a:t>const </a:t>
-            </a:r>
-            <a:r>
-              <a:rPr lang="en-US" dirty="0" smtClean="0"/>
-              <a:t>char* </a:t>
+              <a:t>	const char* </a:t>
             </a:r>
             <a:r>
               <a:rPr lang="en-US" dirty="0" err="1" smtClean="0"/>
@@ -3679,24 +3610,16 @@
             </a:r>
             <a:r>
               <a:rPr lang="en-US" dirty="0" smtClean="0"/>
-              <a:t> = </a:t>
-            </a:r>
+              <a:t> = “print(sub(1.0,2.0))”;</a:t>
+            </a:r>
+          </a:p>
+          <a:p>
+            <a:pPr>
+              <a:buNone/>
+            </a:pPr>
             <a:r>
               <a:rPr lang="en-US" dirty="0" smtClean="0"/>
-              <a:t>“print(sub(1.0,2.0))”;</a:t>
-            </a:r>
-          </a:p>
-          <a:p>
-            <a:pPr>
-              <a:buNone/>
-            </a:pPr>
-            <a:r>
-              <a:rPr lang="en-US" dirty="0" smtClean="0"/>
-              <a:t>	</a:t>
-            </a:r>
-            <a:r>
-              <a:rPr lang="en-US" dirty="0" smtClean="0"/>
-              <a:t>	</a:t>
+              <a:t>		</a:t>
             </a:r>
             <a:r>
               <a:rPr lang="en-US" dirty="0" err="1" smtClean="0"/>
@@ -3721,11 +3644,7 @@
             </a:pPr>
             <a:r>
               <a:rPr lang="en-US" dirty="0" smtClean="0"/>
-              <a:t>	</a:t>
-            </a:r>
-            <a:r>
-              <a:rPr lang="en-US" dirty="0" smtClean="0"/>
-              <a:t>	</a:t>
+              <a:t>		</a:t>
             </a:r>
             <a:r>
               <a:rPr lang="en-US" dirty="0" err="1" smtClean="0"/>
@@ -3733,11 +3652,7 @@
             </a:r>
             <a:r>
               <a:rPr lang="en-US" dirty="0" smtClean="0"/>
-              <a:t>(L</a:t>
-            </a:r>
-            <a:r>
-              <a:rPr lang="en-US" dirty="0" smtClean="0"/>
-              <a:t>); </a:t>
+              <a:t>(L); </a:t>
             </a:r>
           </a:p>
           <a:p>
@@ -3849,11 +3764,7 @@
             </a:r>
             <a:r>
               <a:rPr lang="zh-CN" altLang="en-US" dirty="0" smtClean="0"/>
-              <a:t>一些</a:t>
-            </a:r>
-            <a:r>
-              <a:rPr lang="zh-CN" altLang="en-US" dirty="0" smtClean="0"/>
-              <a:t>函数会清除栈内元素</a:t>
+              <a:t>一些函数会清除栈内元素</a:t>
             </a:r>
             <a:r>
               <a:rPr lang="en-US" altLang="zh-CN" dirty="0" smtClean="0"/>
@@ -3953,11 +3864,7 @@
             </a:r>
             <a:r>
               <a:rPr lang="zh-CN" altLang="en-US" dirty="0" smtClean="0"/>
-              <a:t>失败必须</a:t>
-            </a:r>
-            <a:r>
-              <a:rPr lang="zh-CN" altLang="en-US" dirty="0" smtClean="0"/>
-              <a:t>处理</a:t>
+              <a:t>失败必须处理</a:t>
             </a:r>
             <a:r>
               <a:rPr lang="en-US" altLang="zh-CN" dirty="0" smtClean="0"/>
@@ -3965,11 +3872,7 @@
             </a:r>
             <a:r>
               <a:rPr lang="zh-CN" altLang="en-US" dirty="0" smtClean="0"/>
-              <a:t>否则</a:t>
-            </a:r>
-            <a:r>
-              <a:rPr lang="zh-CN" altLang="en-US" dirty="0" smtClean="0"/>
-              <a:t>栈爆掉</a:t>
+              <a:t>否则栈爆掉</a:t>
             </a:r>
           </a:p>
           <a:p>
@@ -4046,11 +3949,7 @@
           <a:p>
             <a:r>
               <a:rPr lang="zh-CN" altLang="en-US" dirty="0" smtClean="0"/>
-              <a:t>互调函数</a:t>
-            </a:r>
-            <a:r>
-              <a:rPr lang="zh-CN" altLang="en-US" dirty="0" smtClean="0"/>
-              <a:t>是使用</a:t>
+              <a:t>互调函数是使用</a:t>
             </a:r>
             <a:r>
               <a:rPr lang="en-US" altLang="zh-CN" dirty="0" smtClean="0"/>
@@ -4129,11 +4028,7 @@
             </a:pPr>
             <a:r>
               <a:rPr lang="en-US" altLang="zh-CN" dirty="0" smtClean="0"/>
-              <a:t>	</a:t>
-            </a:r>
-            <a:r>
-              <a:rPr lang="en-US" altLang="zh-CN" dirty="0" smtClean="0"/>
-              <a:t>LUA</a:t>
+              <a:t>	LUA</a:t>
             </a:r>
             <a:r>
               <a:rPr lang="zh-CN" altLang="en-US" dirty="0" smtClean="0"/>
@@ -4273,11 +4168,7 @@
             </a:r>
             <a:r>
               <a:rPr lang="zh-CN" altLang="en-US" dirty="0" smtClean="0"/>
-              <a:t>回调</a:t>
-            </a:r>
-            <a:r>
-              <a:rPr lang="zh-CN" altLang="en-US" dirty="0" smtClean="0"/>
-              <a:t>函数体</a:t>
+              <a:t>回调函数体</a:t>
             </a:r>
             <a:r>
               <a:rPr lang="en-US" altLang="zh-CN" dirty="0" smtClean="0"/>
@@ -4431,11 +4322,7 @@
           <a:p>
             <a:r>
               <a:rPr lang="en-US" altLang="zh-CN" dirty="0" err="1" smtClean="0"/>
-              <a:t>t</a:t>
-            </a:r>
-            <a:r>
-              <a:rPr lang="en-US" altLang="zh-CN" dirty="0" err="1" smtClean="0"/>
-              <a:t>olua</a:t>
+              <a:t>tolua</a:t>
             </a:r>
             <a:r>
               <a:rPr lang="zh-CN" altLang="en-US" dirty="0" smtClean="0"/>
@@ -4477,15 +4364,7 @@
             </a:r>
             <a:r>
               <a:rPr lang="en-US" altLang="zh-CN" dirty="0" smtClean="0"/>
-              <a:t>(cc.c4b(255, 0, 0, 255), 85, 121</a:t>
-            </a:r>
-            <a:r>
-              <a:rPr lang="en-US" altLang="zh-CN" dirty="0" smtClean="0"/>
-              <a:t>);        </a:t>
-            </a:r>
-            <a:r>
-              <a:rPr lang="en-US" altLang="zh-CN" dirty="0" smtClean="0"/>
-              <a:t>layer1:setPosition(</a:t>
+              <a:t>(cc.c4b(255, 0, 0, 255), 85, 121);        layer1:setPosition(</a:t>
             </a:r>
             <a:r>
               <a:rPr lang="en-US" altLang="zh-CN" dirty="0" err="1" smtClean="0"/>
@@ -4509,21 +4388,13 @@
             </a:r>
             <a:r>
               <a:rPr lang="en-US" altLang="zh-CN" dirty="0" smtClean="0"/>
-              <a:t>/2 - (121.0 * 0.5</a:t>
-            </a:r>
-            <a:r>
-              <a:rPr lang="en-US" altLang="zh-CN" dirty="0" smtClean="0"/>
-              <a:t>)));</a:t>
-            </a:r>
-          </a:p>
-          <a:p>
-            <a:r>
-              <a:rPr lang="zh-CN" altLang="en-US" dirty="0" smtClean="0"/>
-              <a:t>写</a:t>
-            </a:r>
-            <a:r>
-              <a:rPr lang="zh-CN" altLang="en-US" dirty="0" smtClean="0"/>
-              <a:t>起来很像</a:t>
+              <a:t>/2 - (121.0 * 0.5)));</a:t>
+            </a:r>
+          </a:p>
+          <a:p>
+            <a:r>
+              <a:rPr lang="zh-CN" altLang="en-US" dirty="0" smtClean="0"/>
+              <a:t>写起来很像</a:t>
             </a:r>
             <a:r>
               <a:rPr lang="en-US" altLang="zh-CN" dirty="0" smtClean="0"/>
@@ -4671,15 +4542,7 @@
             </a:r>
             <a:r>
               <a:rPr lang="zh-CN" altLang="en-US" dirty="0" smtClean="0"/>
-              <a:t>给大多数脚本语言，</a:t>
-            </a:r>
-            <a:r>
-              <a:rPr lang="zh-CN" altLang="en-US" dirty="0" smtClean="0"/>
-              <a:t>听</a:t>
-            </a:r>
-            <a:r>
-              <a:rPr lang="zh-CN" altLang="en-US" dirty="0" smtClean="0"/>
-              <a:t>过的还没听过的脚本语言都可以用这个强大的封装工具</a:t>
+              <a:t>给大多数脚本语言，听过的还没听过的脚本语言都可以用这个强大的封装工具</a:t>
             </a:r>
             <a:endParaRPr lang="en-US" altLang="zh-CN" dirty="0" smtClean="0"/>
           </a:p>
@@ -5308,11 +5171,7 @@
           <a:p>
             <a:r>
               <a:rPr lang="en-US" altLang="zh-CN" dirty="0" smtClean="0"/>
-              <a:t>f</a:t>
-            </a:r>
-            <a:r>
-              <a:rPr lang="en-US" altLang="zh-CN" dirty="0" smtClean="0"/>
-              <a:t>unction Init()</a:t>
+              <a:t>function Init()</a:t>
             </a:r>
           </a:p>
           <a:p>
@@ -5321,11 +5180,7 @@
             </a:pPr>
             <a:r>
               <a:rPr lang="en-US" altLang="zh-CN" dirty="0" smtClean="0"/>
-              <a:t>        local </a:t>
-            </a:r>
-            <a:r>
-              <a:rPr lang="en-US" altLang="zh-CN" dirty="0" smtClean="0"/>
-              <a:t>ret = </a:t>
+              <a:t>        local ret = </a:t>
             </a:r>
             <a:r>
               <a:rPr lang="en-US" altLang="zh-CN" dirty="0" err="1" smtClean="0"/>
@@ -5350,15 +5205,7 @@
             </a:pPr>
             <a:r>
               <a:rPr lang="en-US" altLang="zh-CN" dirty="0" smtClean="0"/>
-              <a:t> </a:t>
-            </a:r>
-            <a:r>
-              <a:rPr lang="en-US" altLang="zh-CN" dirty="0" smtClean="0"/>
-              <a:t>       local </a:t>
-            </a:r>
-            <a:r>
-              <a:rPr lang="en-US" altLang="zh-CN" dirty="0" smtClean="0"/>
-              <a:t>function </a:t>
+              <a:t>        local function </a:t>
             </a:r>
             <a:r>
               <a:rPr lang="en-US" altLang="zh-CN" dirty="0" err="1" smtClean="0"/>
@@ -5972,11 +5819,7 @@
             </a:pPr>
             <a:r>
               <a:rPr lang="en-US" altLang="zh-CN" dirty="0" smtClean="0"/>
-              <a:t>    unsigned </a:t>
-            </a:r>
-            <a:r>
-              <a:rPr lang="en-US" altLang="zh-CN" dirty="0" smtClean="0"/>
-              <a:t>char *</a:t>
+              <a:t>    unsigned char *</a:t>
             </a:r>
             <a:r>
               <a:rPr lang="en-US" altLang="zh-CN" dirty="0" err="1" smtClean="0"/>
@@ -6042,11 +5885,7 @@
             </a:r>
             <a:r>
               <a:rPr lang="en-US" altLang="zh-CN" dirty="0" smtClean="0"/>
-              <a:t>( </a:t>
-            </a:r>
-            <a:r>
-              <a:rPr lang="en-US" altLang="zh-CN" dirty="0" smtClean="0"/>
-              <a:t>L,luaFunc,1 );</a:t>
+              <a:t>( L,luaFunc,1 );</a:t>
             </a:r>
           </a:p>
           <a:p>
@@ -6055,11 +5894,7 @@
             </a:pPr>
             <a:r>
               <a:rPr lang="en-US" altLang="zh-CN" dirty="0" smtClean="0"/>
-              <a:t> </a:t>
-            </a:r>
-            <a:r>
-              <a:rPr lang="en-US" altLang="zh-CN" dirty="0" smtClean="0"/>
-              <a:t>   </a:t>
+              <a:t>    </a:t>
             </a:r>
             <a:r>
               <a:rPr lang="en-US" altLang="zh-CN" dirty="0" err="1" smtClean="0"/>
@@ -6071,11 +5906,7 @@
             </a:r>
             <a:r>
               <a:rPr lang="en-US" altLang="zh-CN" dirty="0" err="1" smtClean="0"/>
-              <a:t>L</a:t>
-            </a:r>
-            <a:r>
-              <a:rPr lang="en-US" altLang="zh-CN" dirty="0" err="1" smtClean="0"/>
-              <a:t>,”abc</a:t>
+              <a:t>L,”abc</a:t>
             </a:r>
             <a:r>
               <a:rPr lang="en-US" altLang="zh-CN" dirty="0" smtClean="0"/>
@@ -6150,11 +5981,7 @@
           <a:p>
             <a:r>
               <a:rPr lang="en-US" altLang="zh-CN" dirty="0" smtClean="0"/>
-              <a:t>f</a:t>
-            </a:r>
-            <a:r>
-              <a:rPr lang="en-US" altLang="zh-CN" dirty="0" smtClean="0"/>
-              <a:t>unction </a:t>
+              <a:t>function </a:t>
             </a:r>
             <a:r>
               <a:rPr lang="en-US" altLang="zh-CN" dirty="0" err="1" smtClean="0"/>
@@ -6171,15 +5998,7 @@
             </a:pPr>
             <a:r>
               <a:rPr lang="en-US" altLang="zh-CN" dirty="0" smtClean="0"/>
-              <a:t> </a:t>
-            </a:r>
-            <a:r>
-              <a:rPr lang="en-US" altLang="zh-CN" dirty="0" smtClean="0"/>
-              <a:t>       </a:t>
-            </a:r>
-            <a:r>
-              <a:rPr lang="en-US" altLang="zh-CN" dirty="0" smtClean="0"/>
-              <a:t>unsigned char *</a:t>
+              <a:t>        unsigned char *</a:t>
             </a:r>
             <a:r>
               <a:rPr lang="en-US" altLang="zh-CN" dirty="0" err="1" smtClean="0"/>
@@ -6187,15 +6006,7 @@
             </a:r>
             <a:r>
               <a:rPr lang="en-US" altLang="zh-CN" dirty="0" smtClean="0"/>
-              <a:t> = (unsigned </a:t>
-            </a:r>
-            <a:r>
-              <a:rPr lang="en-US" altLang="zh-CN" dirty="0" smtClean="0"/>
-              <a:t>       char</a:t>
-            </a:r>
-            <a:r>
-              <a:rPr lang="en-US" altLang="zh-CN" dirty="0" smtClean="0"/>
-              <a:t>*)</a:t>
+              <a:t> = (unsigned        char*)</a:t>
             </a:r>
             <a:r>
               <a:rPr lang="en-US" altLang="zh-CN" dirty="0" err="1" smtClean="0"/>
@@ -6211,11 +6022,7 @@
             </a:r>
             <a:r>
               <a:rPr lang="en-US" altLang="zh-CN" dirty="0" smtClean="0"/>
-              <a:t>(1</a:t>
-            </a:r>
-            <a:r>
-              <a:rPr lang="en-US" altLang="zh-CN" dirty="0" smtClean="0"/>
-              <a:t>));</a:t>
+              <a:t>(1));</a:t>
             </a:r>
           </a:p>
           <a:p>
@@ -6224,11 +6031,7 @@
             </a:pPr>
             <a:r>
               <a:rPr lang="en-US" altLang="zh-CN" dirty="0" smtClean="0"/>
-              <a:t> </a:t>
-            </a:r>
-            <a:r>
-              <a:rPr lang="en-US" altLang="zh-CN" dirty="0" smtClean="0"/>
-              <a:t>       Object* p = (Object*)(</a:t>
+              <a:t>        Object* p = (Object*)(</a:t>
             </a:r>
             <a:r>
               <a:rPr lang="en-US" altLang="zh-CN" dirty="0" err="1" smtClean="0"/>
@@ -6245,11 +6048,7 @@
             </a:pPr>
             <a:r>
               <a:rPr lang="en-US" altLang="zh-CN" dirty="0" smtClean="0"/>
-              <a:t> </a:t>
-            </a:r>
-            <a:r>
-              <a:rPr lang="en-US" altLang="zh-CN" dirty="0" smtClean="0"/>
-              <a:t>       </a:t>
+              <a:t>        </a:t>
             </a:r>
             <a:r>
               <a:rPr lang="en-US" altLang="zh-CN" dirty="0" err="1" smtClean="0"/>
@@ -6263,11 +6062,7 @@
           <a:p>
             <a:r>
               <a:rPr lang="en-US" altLang="zh-CN" dirty="0" smtClean="0"/>
-              <a:t>e</a:t>
-            </a:r>
-            <a:r>
-              <a:rPr lang="en-US" altLang="zh-CN" dirty="0" smtClean="0"/>
-              <a:t>nd;</a:t>
+              <a:t>end;</a:t>
             </a:r>
           </a:p>
           <a:p>
@@ -6276,11 +6071,7 @@
             </a:pPr>
             <a:r>
               <a:rPr lang="en-US" altLang="zh-CN" dirty="0" smtClean="0"/>
-              <a:t> </a:t>
-            </a:r>
-            <a:r>
-              <a:rPr lang="en-US" altLang="zh-CN" dirty="0" smtClean="0"/>
-              <a:t>   </a:t>
+              <a:t>    </a:t>
             </a:r>
             <a:endParaRPr lang="zh-CN" altLang="en-US" dirty="0"/>
           </a:p>
@@ -6398,11 +6189,7 @@
           <a:p>
             <a:r>
               <a:rPr lang="zh-CN" altLang="en-US" dirty="0" smtClean="0"/>
-              <a:t>模</a:t>
-            </a:r>
-            <a:r>
-              <a:rPr lang="zh-CN" altLang="en-US" dirty="0" smtClean="0"/>
-              <a:t>版把参数实例化有个简化版的</a:t>
+              <a:t>模版把参数实例化有个简化版的</a:t>
             </a:r>
             <a:r>
               <a:rPr lang="en-US" altLang="zh-CN" dirty="0" smtClean="0"/>
@@ -6433,6 +6220,321 @@
               <a:buNone/>
             </a:pPr>
             <a:endParaRPr lang="zh-CN" altLang="en-US" dirty="0"/>
+          </a:p>
+        </p:txBody>
+      </p:sp>
+    </p:spTree>
+  </p:cSld>
+  <p:clrMapOvr>
+    <a:masterClrMapping/>
+  </p:clrMapOvr>
+</p:sld>
+</file>
+
+<file path=ppt/slides/slide27.xml><?xml version="1.0" encoding="utf-8"?>
+<p:sld xmlns:a="http://schemas.openxmlformats.org/drawingml/2006/main" xmlns:r="http://schemas.openxmlformats.org/officeDocument/2006/relationships" xmlns:p="http://schemas.openxmlformats.org/presentationml/2006/main">
+  <p:cSld>
+    <p:spTree>
+      <p:nvGrpSpPr>
+        <p:cNvPr id="1" name=""/>
+        <p:cNvGrpSpPr/>
+        <p:nvPr/>
+      </p:nvGrpSpPr>
+      <p:grpSpPr>
+        <a:xfrm>
+          <a:off x="0" y="0"/>
+          <a:ext cx="0" cy="0"/>
+          <a:chOff x="0" y="0"/>
+          <a:chExt cx="0" cy="0"/>
+        </a:xfrm>
+      </p:grpSpPr>
+      <p:sp>
+        <p:nvSpPr>
+          <p:cNvPr id="2" name="标题 1"/>
+          <p:cNvSpPr>
+            <a:spLocks noGrp="1"/>
+          </p:cNvSpPr>
+          <p:nvPr>
+            <p:ph type="title"/>
+          </p:nvPr>
+        </p:nvSpPr>
+        <p:spPr/>
+        <p:txBody>
+          <a:bodyPr/>
+          <a:lstStyle/>
+          <a:p>
+            <a:r>
+              <a:rPr lang="en-US" altLang="zh-CN" dirty="0" smtClean="0"/>
+              <a:t>CryEngine3</a:t>
+            </a:r>
+            <a:r>
+              <a:rPr lang="zh-CN" altLang="en-US" dirty="0" smtClean="0"/>
+              <a:t>的</a:t>
+            </a:r>
+            <a:r>
+              <a:rPr lang="en-US" altLang="zh-CN" dirty="0" smtClean="0"/>
+              <a:t>LUA</a:t>
+            </a:r>
+            <a:endParaRPr lang="zh-CN" altLang="en-US" dirty="0"/>
+          </a:p>
+        </p:txBody>
+      </p:sp>
+      <p:sp>
+        <p:nvSpPr>
+          <p:cNvPr id="3" name="内容占位符 2"/>
+          <p:cNvSpPr>
+            <a:spLocks noGrp="1"/>
+          </p:cNvSpPr>
+          <p:nvPr>
+            <p:ph idx="1"/>
+          </p:nvPr>
+        </p:nvSpPr>
+        <p:spPr/>
+        <p:txBody>
+          <a:bodyPr/>
+          <a:lstStyle/>
+          <a:p>
+            <a:r>
+              <a:rPr lang="zh-CN" altLang="en-US" dirty="0" smtClean="0"/>
+              <a:t>这个看上去不错，不过貌似脱离了</a:t>
+            </a:r>
+            <a:r>
+              <a:rPr lang="en-US" altLang="zh-CN" dirty="0" smtClean="0"/>
+              <a:t>CE3</a:t>
+            </a:r>
+            <a:r>
+              <a:rPr lang="zh-CN" altLang="en-US" dirty="0" smtClean="0"/>
+              <a:t>的脚本框架，不知道其他用处是什么</a:t>
+            </a:r>
+            <a:endParaRPr lang="zh-CN" altLang="en-US" dirty="0"/>
+          </a:p>
+        </p:txBody>
+      </p:sp>
+    </p:spTree>
+  </p:cSld>
+  <p:clrMapOvr>
+    <a:masterClrMapping/>
+  </p:clrMapOvr>
+</p:sld>
+</file>
+
+<file path=ppt/slides/slide28.xml><?xml version="1.0" encoding="utf-8"?>
+<p:sld xmlns:a="http://schemas.openxmlformats.org/drawingml/2006/main" xmlns:r="http://schemas.openxmlformats.org/officeDocument/2006/relationships" xmlns:p="http://schemas.openxmlformats.org/presentationml/2006/main">
+  <p:cSld>
+    <p:spTree>
+      <p:nvGrpSpPr>
+        <p:cNvPr id="1" name=""/>
+        <p:cNvGrpSpPr/>
+        <p:nvPr/>
+      </p:nvGrpSpPr>
+      <p:grpSpPr>
+        <a:xfrm>
+          <a:off x="0" y="0"/>
+          <a:ext cx="0" cy="0"/>
+          <a:chOff x="0" y="0"/>
+          <a:chExt cx="0" cy="0"/>
+        </a:xfrm>
+      </p:grpSpPr>
+      <p:sp>
+        <p:nvSpPr>
+          <p:cNvPr id="2" name="标题 1"/>
+          <p:cNvSpPr>
+            <a:spLocks noGrp="1"/>
+          </p:cNvSpPr>
+          <p:nvPr>
+            <p:ph type="title"/>
+          </p:nvPr>
+        </p:nvSpPr>
+        <p:spPr/>
+        <p:txBody>
+          <a:bodyPr/>
+          <a:lstStyle/>
+          <a:p>
+            <a:r>
+              <a:rPr lang="en-US" altLang="zh-CN" dirty="0" smtClean="0"/>
+              <a:t>CryEngine3</a:t>
+            </a:r>
+            <a:r>
+              <a:rPr lang="zh-CN" altLang="en-US" dirty="0" smtClean="0"/>
+              <a:t>的</a:t>
+            </a:r>
+            <a:r>
+              <a:rPr lang="en-US" altLang="zh-CN" dirty="0" smtClean="0"/>
+              <a:t>LUA</a:t>
+            </a:r>
+            <a:endParaRPr lang="zh-CN" altLang="en-US" dirty="0"/>
+          </a:p>
+        </p:txBody>
+      </p:sp>
+      <p:sp>
+        <p:nvSpPr>
+          <p:cNvPr id="3" name="内容占位符 2"/>
+          <p:cNvSpPr>
+            <a:spLocks noGrp="1"/>
+          </p:cNvSpPr>
+          <p:nvPr>
+            <p:ph idx="1"/>
+          </p:nvPr>
+        </p:nvSpPr>
+        <p:spPr/>
+        <p:txBody>
+          <a:bodyPr/>
+          <a:lstStyle/>
+          <a:p>
+            <a:r>
+              <a:rPr lang="en-US" altLang="zh-CN" dirty="0" smtClean="0"/>
+              <a:t>cry</a:t>
+            </a:r>
+            <a:r>
+              <a:rPr lang="zh-CN" altLang="en-US" dirty="0" smtClean="0"/>
+              <a:t>中</a:t>
+            </a:r>
+            <a:r>
+              <a:rPr lang="en-US" altLang="zh-CN" dirty="0" err="1" smtClean="0"/>
+              <a:t>lua</a:t>
+            </a:r>
+            <a:r>
+              <a:rPr lang="zh-CN" altLang="en-US" dirty="0" smtClean="0"/>
+              <a:t>的基本功能</a:t>
+            </a:r>
+            <a:endParaRPr lang="en-US" altLang="zh-CN" dirty="0" smtClean="0"/>
+          </a:p>
+          <a:p>
+            <a:r>
+              <a:rPr lang="zh-CN" altLang="en-US" dirty="0" smtClean="0"/>
+              <a:t>类型定义</a:t>
+            </a:r>
+            <a:endParaRPr lang="en-US" altLang="zh-CN" dirty="0" smtClean="0"/>
+          </a:p>
+          <a:p>
+            <a:r>
+              <a:rPr lang="zh-CN" altLang="en-US" dirty="0" smtClean="0"/>
+              <a:t>属性方法</a:t>
+            </a:r>
+            <a:r>
+              <a:rPr lang="zh-CN" altLang="en-US" dirty="0" smtClean="0"/>
+              <a:t>定义</a:t>
+            </a:r>
+            <a:endParaRPr lang="en-US" altLang="zh-CN" dirty="0" smtClean="0"/>
+          </a:p>
+          <a:p>
+            <a:r>
+              <a:rPr lang="en-US" altLang="zh-CN" dirty="0" smtClean="0"/>
+              <a:t>C</a:t>
+            </a:r>
+            <a:r>
+              <a:rPr lang="en-US" altLang="zh-CN" dirty="0" smtClean="0"/>
+              <a:t>++</a:t>
+            </a:r>
+            <a:r>
+              <a:rPr lang="zh-CN" altLang="en-US" dirty="0" smtClean="0"/>
+              <a:t>组件的组合者</a:t>
+            </a:r>
+            <a:endParaRPr lang="zh-CN" altLang="en-US" dirty="0" smtClean="0"/>
+          </a:p>
+          <a:p>
+            <a:r>
+              <a:rPr lang="zh-CN" altLang="en-US" dirty="0" smtClean="0"/>
+              <a:t>简单</a:t>
+            </a:r>
+            <a:r>
+              <a:rPr lang="zh-CN" altLang="en-US" dirty="0" smtClean="0"/>
+              <a:t>状态机</a:t>
+            </a:r>
+            <a:endParaRPr dirty="0"/>
+          </a:p>
+          <a:p>
+            <a:r>
+              <a:rPr lang="zh-CN" altLang="en-US" dirty="0" smtClean="0"/>
+              <a:t>基于状态机事件响应(c++大量调用lua函数)</a:t>
+            </a:r>
+            <a:endParaRPr dirty="0"/>
+          </a:p>
+          <a:p>
+            <a:endParaRPr dirty="0"/>
+          </a:p>
+        </p:txBody>
+      </p:sp>
+    </p:spTree>
+  </p:cSld>
+  <p:clrMapOvr>
+    <a:masterClrMapping/>
+  </p:clrMapOvr>
+</p:sld>
+</file>
+
+<file path=ppt/slides/slide29.xml><?xml version="1.0" encoding="utf-8"?>
+<p:sld xmlns:a="http://schemas.openxmlformats.org/drawingml/2006/main" xmlns:r="http://schemas.openxmlformats.org/officeDocument/2006/relationships" xmlns:p="http://schemas.openxmlformats.org/presentationml/2006/main">
+  <p:cSld>
+    <p:spTree>
+      <p:nvGrpSpPr>
+        <p:cNvPr id="1" name=""/>
+        <p:cNvGrpSpPr/>
+        <p:nvPr/>
+      </p:nvGrpSpPr>
+      <p:grpSpPr>
+        <a:xfrm>
+          <a:off x="0" y="0"/>
+          <a:ext cx="0" cy="0"/>
+          <a:chOff x="0" y="0"/>
+          <a:chExt cx="0" cy="0"/>
+        </a:xfrm>
+      </p:grpSpPr>
+      <p:sp>
+        <p:nvSpPr>
+          <p:cNvPr id="2" name="标题 1"/>
+          <p:cNvSpPr>
+            <a:spLocks noGrp="1"/>
+          </p:cNvSpPr>
+          <p:nvPr>
+            <p:ph type="title"/>
+          </p:nvPr>
+        </p:nvSpPr>
+        <p:spPr/>
+        <p:txBody>
+          <a:bodyPr/>
+          <a:lstStyle/>
+          <a:p>
+            <a:r>
+              <a:rPr lang="en-US" altLang="zh-CN" dirty="0" smtClean="0"/>
+              <a:t>CryEngine3</a:t>
+            </a:r>
+            <a:r>
+              <a:rPr lang="zh-CN" altLang="en-US" dirty="0" smtClean="0"/>
+              <a:t>的</a:t>
+            </a:r>
+            <a:r>
+              <a:rPr lang="en-US" altLang="zh-CN" dirty="0" smtClean="0"/>
+              <a:t>LUA</a:t>
+            </a:r>
+            <a:endParaRPr lang="zh-CN" altLang="en-US" dirty="0"/>
+          </a:p>
+        </p:txBody>
+      </p:sp>
+      <p:sp>
+        <p:nvSpPr>
+          <p:cNvPr id="3" name="内容占位符 2"/>
+          <p:cNvSpPr>
+            <a:spLocks noGrp="1"/>
+          </p:cNvSpPr>
+          <p:nvPr>
+            <p:ph idx="1"/>
+          </p:nvPr>
+        </p:nvSpPr>
+        <p:spPr/>
+        <p:txBody>
+          <a:bodyPr/>
+          <a:lstStyle/>
+          <a:p>
+            <a:r>
+              <a:rPr lang="en-US" altLang="zh-CN" dirty="0" smtClean="0"/>
+              <a:t>C++</a:t>
+            </a:r>
+            <a:r>
+              <a:rPr lang="zh-CN" altLang="en-US" smtClean="0"/>
+              <a:t>提供各种基础功能，比如物理，渲染，脚本，自定义逻辑扩展等</a:t>
+            </a:r>
+            <a:endParaRPr dirty="0"/>
           </a:p>
         </p:txBody>
       </p:sp>
@@ -6546,11 +6648,7 @@
           <a:p>
             <a:r>
               <a:rPr lang="en-US" altLang="zh-CN" dirty="0" smtClean="0"/>
-              <a:t>C</a:t>
-            </a:r>
-            <a:r>
-              <a:rPr lang="en-US" altLang="zh-CN" dirty="0" smtClean="0"/>
-              <a:t>++</a:t>
+              <a:t>C++</a:t>
             </a:r>
             <a:r>
               <a:rPr lang="zh-CN" altLang="en-US" dirty="0" smtClean="0"/>
@@ -6588,11 +6686,7 @@
           <a:p>
             <a:r>
               <a:rPr lang="en-US" altLang="zh-CN" dirty="0" smtClean="0"/>
-              <a:t>C</a:t>
-            </a:r>
-            <a:r>
-              <a:rPr lang="en-US" altLang="zh-CN" dirty="0" smtClean="0"/>
-              <a:t>++</a:t>
+              <a:t>C++</a:t>
             </a:r>
             <a:r>
               <a:rPr lang="zh-CN" altLang="en-US" dirty="0" smtClean="0"/>
@@ -6702,11 +6796,7 @@
           <a:p>
             <a:r>
               <a:rPr lang="zh-CN" altLang="en-US" dirty="0" smtClean="0"/>
-              <a:t>事件</a:t>
-            </a:r>
-            <a:r>
-              <a:rPr lang="zh-CN" altLang="en-US" dirty="0" smtClean="0"/>
-              <a:t>处理，游戏</a:t>
+              <a:t>事件处理，游戏</a:t>
             </a:r>
             <a:r>
               <a:rPr lang="en-US" altLang="zh-CN" dirty="0" smtClean="0"/>
@@ -7445,7 +7535,6 @@
               <a:rPr lang="en-US" sz="7000" dirty="0" smtClean="0"/>
               <a:t>();  </a:t>
             </a:r>
-            <a:endParaRPr lang="en-US" sz="7000" dirty="0" smtClean="0"/>
           </a:p>
           <a:p>
             <a:pPr>
@@ -7461,17 +7550,8 @@
             </a:r>
             <a:r>
               <a:rPr lang="en-US" sz="7000" dirty="0" smtClean="0"/>
-              <a:t>(L, </a:t>
-            </a:r>
-            <a:r>
-              <a:rPr lang="en-US" sz="7000" dirty="0" smtClean="0"/>
-              <a:t>”Test.lua”);</a:t>
-            </a:r>
-            <a:r>
-              <a:rPr lang="en-US" sz="7000" dirty="0" smtClean="0"/>
-              <a:t>  </a:t>
-            </a:r>
-            <a:endParaRPr lang="en-US" sz="7000" dirty="0" smtClean="0"/>
+              <a:t>(L, ”Test.lua”);  </a:t>
+            </a:r>
           </a:p>
           <a:p>
             <a:pPr>
@@ -7487,19 +7567,7 @@
             </a:r>
             <a:r>
               <a:rPr lang="en-US" sz="7000" dirty="0" smtClean="0"/>
-              <a:t>(L</a:t>
-            </a:r>
-            <a:r>
-              <a:rPr lang="en-US" sz="7000" dirty="0" smtClean="0"/>
-              <a:t>, </a:t>
-            </a:r>
-            <a:r>
-              <a:rPr lang="en-US" sz="7000" dirty="0" smtClean="0"/>
-              <a:t>“add");</a:t>
-            </a:r>
-            <a:r>
-              <a:rPr lang="en-US" sz="7000" dirty="0" smtClean="0"/>
-              <a:t>  </a:t>
+              <a:t>(L, “add");  </a:t>
             </a:r>
           </a:p>
           <a:p>
@@ -7516,15 +7584,7 @@
             </a:r>
             <a:r>
               <a:rPr lang="en-US" sz="7000" dirty="0" smtClean="0"/>
-              <a:t>(L</a:t>
-            </a:r>
-            <a:r>
-              <a:rPr lang="en-US" sz="7000" dirty="0" smtClean="0"/>
-              <a:t>, </a:t>
-            </a:r>
-            <a:r>
-              <a:rPr lang="en-US" sz="7000" dirty="0" smtClean="0"/>
-              <a:t>2.0);</a:t>
+              <a:t>(L, 2.0);</a:t>
             </a:r>
           </a:p>
           <a:p>
@@ -7562,15 +7622,7 @@
             </a:r>
             <a:r>
               <a:rPr lang="en-US" sz="7000" dirty="0" smtClean="0"/>
-              <a:t>(L, </a:t>
-            </a:r>
-            <a:r>
-              <a:rPr lang="en-US" sz="7000" dirty="0" smtClean="0"/>
-              <a:t>2,</a:t>
-            </a:r>
-            <a:r>
-              <a:rPr lang="en-US" sz="7000" dirty="0" smtClean="0"/>
-              <a:t> 1, 0))   { </a:t>
+              <a:t>(L, 2, 1, 0))   { </a:t>
             </a:r>
             <a:r>
               <a:rPr lang="en-US" sz="7000" dirty="0" err="1" smtClean="0"/>
@@ -7597,7 +7649,6 @@
               <a:rPr lang="en-US" sz="7000" dirty="0" smtClean="0"/>
               <a:t>(L, -1);  </a:t>
             </a:r>
-            <a:endParaRPr lang="en-US" sz="7000" dirty="0" smtClean="0"/>
           </a:p>
           <a:p>
             <a:pPr>
@@ -7613,11 +7664,7 @@
             </a:r>
             <a:r>
               <a:rPr lang="en-US" sz="7000" dirty="0" smtClean="0"/>
-              <a:t>(L</a:t>
-            </a:r>
-            <a:r>
-              <a:rPr lang="en-US" sz="7000" dirty="0" smtClean="0"/>
-              <a:t>, 1);  </a:t>
+              <a:t>(L, 1);  </a:t>
             </a:r>
           </a:p>
           <a:p>
@@ -7634,7 +7681,6 @@
               <a:rPr lang="en-US" altLang="zh-CN" dirty="0" smtClean="0"/>
               <a:t>	</a:t>
             </a:r>
-            <a:endParaRPr lang="en-US" altLang="zh-CN" dirty="0" smtClean="0"/>
           </a:p>
           <a:p>
             <a:pPr>

--- a/lua.pptx
+++ b/lua.pptx
@@ -317,7 +317,7 @@
             <a:fld id="{530820CF-B880-4189-942D-D702A7CBA730}" type="datetimeFigureOut">
               <a:rPr lang="zh-CN" altLang="en-US" smtClean="0"/>
               <a:pPr/>
-              <a:t>2014/7/14</a:t>
+              <a:t>2014/7/15</a:t>
             </a:fld>
             <a:endParaRPr lang="zh-CN" altLang="en-US"/>
           </a:p>
@@ -484,7 +484,7 @@
             <a:fld id="{530820CF-B880-4189-942D-D702A7CBA730}" type="datetimeFigureOut">
               <a:rPr lang="zh-CN" altLang="en-US" smtClean="0"/>
               <a:pPr/>
-              <a:t>2014/7/14</a:t>
+              <a:t>2014/7/15</a:t>
             </a:fld>
             <a:endParaRPr lang="zh-CN" altLang="en-US"/>
           </a:p>
@@ -661,7 +661,7 @@
             <a:fld id="{530820CF-B880-4189-942D-D702A7CBA730}" type="datetimeFigureOut">
               <a:rPr lang="zh-CN" altLang="en-US" smtClean="0"/>
               <a:pPr/>
-              <a:t>2014/7/14</a:t>
+              <a:t>2014/7/15</a:t>
             </a:fld>
             <a:endParaRPr lang="zh-CN" altLang="en-US"/>
           </a:p>
@@ -828,7 +828,7 @@
             <a:fld id="{530820CF-B880-4189-942D-D702A7CBA730}" type="datetimeFigureOut">
               <a:rPr lang="zh-CN" altLang="en-US" smtClean="0"/>
               <a:pPr/>
-              <a:t>2014/7/14</a:t>
+              <a:t>2014/7/15</a:t>
             </a:fld>
             <a:endParaRPr lang="zh-CN" altLang="en-US"/>
           </a:p>
@@ -1071,7 +1071,7 @@
             <a:fld id="{530820CF-B880-4189-942D-D702A7CBA730}" type="datetimeFigureOut">
               <a:rPr lang="zh-CN" altLang="en-US" smtClean="0"/>
               <a:pPr/>
-              <a:t>2014/7/14</a:t>
+              <a:t>2014/7/15</a:t>
             </a:fld>
             <a:endParaRPr lang="zh-CN" altLang="en-US"/>
           </a:p>
@@ -1356,7 +1356,7 @@
             <a:fld id="{530820CF-B880-4189-942D-D702A7CBA730}" type="datetimeFigureOut">
               <a:rPr lang="zh-CN" altLang="en-US" smtClean="0"/>
               <a:pPr/>
-              <a:t>2014/7/14</a:t>
+              <a:t>2014/7/15</a:t>
             </a:fld>
             <a:endParaRPr lang="zh-CN" altLang="en-US"/>
           </a:p>
@@ -1775,7 +1775,7 @@
             <a:fld id="{530820CF-B880-4189-942D-D702A7CBA730}" type="datetimeFigureOut">
               <a:rPr lang="zh-CN" altLang="en-US" smtClean="0"/>
               <a:pPr/>
-              <a:t>2014/7/14</a:t>
+              <a:t>2014/7/15</a:t>
             </a:fld>
             <a:endParaRPr lang="zh-CN" altLang="en-US"/>
           </a:p>
@@ -1890,7 +1890,7 @@
             <a:fld id="{530820CF-B880-4189-942D-D702A7CBA730}" type="datetimeFigureOut">
               <a:rPr lang="zh-CN" altLang="en-US" smtClean="0"/>
               <a:pPr/>
-              <a:t>2014/7/14</a:t>
+              <a:t>2014/7/15</a:t>
             </a:fld>
             <a:endParaRPr lang="zh-CN" altLang="en-US"/>
           </a:p>
@@ -1982,7 +1982,7 @@
             <a:fld id="{530820CF-B880-4189-942D-D702A7CBA730}" type="datetimeFigureOut">
               <a:rPr lang="zh-CN" altLang="en-US" smtClean="0"/>
               <a:pPr/>
-              <a:t>2014/7/14</a:t>
+              <a:t>2014/7/15</a:t>
             </a:fld>
             <a:endParaRPr lang="zh-CN" altLang="en-US"/>
           </a:p>
@@ -2256,7 +2256,7 @@
             <a:fld id="{530820CF-B880-4189-942D-D702A7CBA730}" type="datetimeFigureOut">
               <a:rPr lang="zh-CN" altLang="en-US" smtClean="0"/>
               <a:pPr/>
-              <a:t>2014/7/14</a:t>
+              <a:t>2014/7/15</a:t>
             </a:fld>
             <a:endParaRPr lang="zh-CN" altLang="en-US"/>
           </a:p>
@@ -2506,7 +2506,7 @@
             <a:fld id="{530820CF-B880-4189-942D-D702A7CBA730}" type="datetimeFigureOut">
               <a:rPr lang="zh-CN" altLang="en-US" smtClean="0"/>
               <a:pPr/>
-              <a:t>2014/7/14</a:t>
+              <a:t>2014/7/15</a:t>
             </a:fld>
             <a:endParaRPr lang="zh-CN" altLang="en-US"/>
           </a:p>
@@ -2716,7 +2716,7 @@
             <a:fld id="{530820CF-B880-4189-942D-D702A7CBA730}" type="datetimeFigureOut">
               <a:rPr lang="zh-CN" altLang="en-US" smtClean="0"/>
               <a:pPr/>
-              <a:t>2014/7/14</a:t>
+              <a:t>2014/7/15</a:t>
             </a:fld>
             <a:endParaRPr lang="zh-CN" altLang="en-US"/>
           </a:p>
@@ -4364,32 +4364,19 @@
             </a:r>
             <a:r>
               <a:rPr lang="en-US" altLang="zh-CN" dirty="0" smtClean="0"/>
-              <a:t>(cc.c4b(255, 0, 0, 255), 85, 121);        layer1:setPosition(</a:t>
-            </a:r>
-            <a:r>
-              <a:rPr lang="en-US" altLang="zh-CN" dirty="0" err="1" smtClean="0"/>
-              <a:t>cc.p</a:t>
-            </a:r>
-            <a:r>
-              <a:rPr lang="en-US" altLang="zh-CN" dirty="0" smtClean="0"/>
-              <a:t>(</a:t>
-            </a:r>
-            <a:r>
-              <a:rPr lang="en-US" altLang="zh-CN" dirty="0" err="1" smtClean="0"/>
-              <a:t>s.width</a:t>
-            </a:r>
-            <a:r>
-              <a:rPr lang="en-US" altLang="zh-CN" dirty="0" smtClean="0"/>
-              <a:t>/2-80 - (85.0 * 0.5), </a:t>
-            </a:r>
-            <a:r>
-              <a:rPr lang="en-US" altLang="zh-CN" dirty="0" err="1" smtClean="0"/>
-              <a:t>s.height</a:t>
-            </a:r>
-            <a:r>
-              <a:rPr lang="en-US" altLang="zh-CN" dirty="0" smtClean="0"/>
-              <a:t>/2 - (121.0 * 0.5)));</a:t>
-            </a:r>
+              <a:t>(cc.c4b(255, 0, 0, 255), 85, 121);        </a:t>
+            </a:r>
+            <a:endParaRPr lang="en-US" altLang="zh-CN" dirty="0" smtClean="0"/>
+          </a:p>
+          <a:p>
+            <a:pPr>
+              <a:buNone/>
+            </a:pPr>
+            <a:r>
+              <a:rPr lang="en-US" altLang="zh-CN" dirty="0" smtClean="0"/>
+              <a:t>	layer1:setPosition(0,0);</a:t>
+            </a:r>
+            <a:endParaRPr lang="en-US" altLang="zh-CN" dirty="0" smtClean="0"/>
           </a:p>
           <a:p>
             <a:r>
@@ -6409,37 +6396,24 @@
           <a:p>
             <a:r>
               <a:rPr lang="zh-CN" altLang="en-US" dirty="0" smtClean="0"/>
-              <a:t>属性方法</a:t>
-            </a:r>
-            <a:r>
-              <a:rPr lang="zh-CN" altLang="en-US" dirty="0" smtClean="0"/>
-              <a:t>定义</a:t>
+              <a:t>属性方法定义</a:t>
             </a:r>
             <a:endParaRPr lang="en-US" altLang="zh-CN" dirty="0" smtClean="0"/>
           </a:p>
           <a:p>
             <a:r>
               <a:rPr lang="en-US" altLang="zh-CN" dirty="0" smtClean="0"/>
-              <a:t>C</a:t>
-            </a:r>
-            <a:r>
-              <a:rPr lang="en-US" altLang="zh-CN" dirty="0" smtClean="0"/>
-              <a:t>++</a:t>
+              <a:t>C++</a:t>
             </a:r>
             <a:r>
               <a:rPr lang="zh-CN" altLang="en-US" dirty="0" smtClean="0"/>
               <a:t>组件的组合者</a:t>
             </a:r>
-            <a:endParaRPr lang="zh-CN" altLang="en-US" dirty="0" smtClean="0"/>
-          </a:p>
-          <a:p>
-            <a:r>
-              <a:rPr lang="zh-CN" altLang="en-US" dirty="0" smtClean="0"/>
-              <a:t>简单</a:t>
-            </a:r>
-            <a:r>
-              <a:rPr lang="zh-CN" altLang="en-US" dirty="0" smtClean="0"/>
-              <a:t>状态机</a:t>
+          </a:p>
+          <a:p>
+            <a:r>
+              <a:rPr lang="zh-CN" altLang="en-US" dirty="0" smtClean="0"/>
+              <a:t>简单状态机</a:t>
             </a:r>
             <a:endParaRPr dirty="0"/>
           </a:p>
